--- a/Analysefonctionelle.pptx
+++ b/Analysefonctionelle.pptx
@@ -107,6 +107,11 @@
       </a:defRPr>
     </a:lvl9pPr>
   </p:defaultTextStyle>
+  <p:extLst>
+    <p:ext uri="{EFAFB233-063F-42B5-8137-9DF3F51BA10A}">
+      <p15:sldGuideLst xmlns:p15="http://schemas.microsoft.com/office/powerpoint/2012/main"/>
+    </p:ext>
+  </p:extLst>
 </p:presentation>
 </file>
 
@@ -241,7 +246,7 @@
           <a:p>
             <a:fld id="{42DDE436-8F03-4BDC-A9A5-62A5CC3B9D6B}" type="datetimeFigureOut">
               <a:rPr lang="fr-FR" smtClean="0"/>
-              <a:t>05/06/2019</a:t>
+              <a:t>16/06/2019</a:t>
             </a:fld>
             <a:endParaRPr lang="fr-FR"/>
           </a:p>
@@ -411,7 +416,7 @@
           <a:p>
             <a:fld id="{42DDE436-8F03-4BDC-A9A5-62A5CC3B9D6B}" type="datetimeFigureOut">
               <a:rPr lang="fr-FR" smtClean="0"/>
-              <a:t>05/06/2019</a:t>
+              <a:t>16/06/2019</a:t>
             </a:fld>
             <a:endParaRPr lang="fr-FR"/>
           </a:p>
@@ -591,7 +596,7 @@
           <a:p>
             <a:fld id="{42DDE436-8F03-4BDC-A9A5-62A5CC3B9D6B}" type="datetimeFigureOut">
               <a:rPr lang="fr-FR" smtClean="0"/>
-              <a:t>05/06/2019</a:t>
+              <a:t>16/06/2019</a:t>
             </a:fld>
             <a:endParaRPr lang="fr-FR"/>
           </a:p>
@@ -761,7 +766,7 @@
           <a:p>
             <a:fld id="{42DDE436-8F03-4BDC-A9A5-62A5CC3B9D6B}" type="datetimeFigureOut">
               <a:rPr lang="fr-FR" smtClean="0"/>
-              <a:t>05/06/2019</a:t>
+              <a:t>16/06/2019</a:t>
             </a:fld>
             <a:endParaRPr lang="fr-FR"/>
           </a:p>
@@ -1007,7 +1012,7 @@
           <a:p>
             <a:fld id="{42DDE436-8F03-4BDC-A9A5-62A5CC3B9D6B}" type="datetimeFigureOut">
               <a:rPr lang="fr-FR" smtClean="0"/>
-              <a:t>05/06/2019</a:t>
+              <a:t>16/06/2019</a:t>
             </a:fld>
             <a:endParaRPr lang="fr-FR"/>
           </a:p>
@@ -1239,7 +1244,7 @@
           <a:p>
             <a:fld id="{42DDE436-8F03-4BDC-A9A5-62A5CC3B9D6B}" type="datetimeFigureOut">
               <a:rPr lang="fr-FR" smtClean="0"/>
-              <a:t>05/06/2019</a:t>
+              <a:t>16/06/2019</a:t>
             </a:fld>
             <a:endParaRPr lang="fr-FR"/>
           </a:p>
@@ -1606,7 +1611,7 @@
           <a:p>
             <a:fld id="{42DDE436-8F03-4BDC-A9A5-62A5CC3B9D6B}" type="datetimeFigureOut">
               <a:rPr lang="fr-FR" smtClean="0"/>
-              <a:t>05/06/2019</a:t>
+              <a:t>16/06/2019</a:t>
             </a:fld>
             <a:endParaRPr lang="fr-FR"/>
           </a:p>
@@ -1724,7 +1729,7 @@
           <a:p>
             <a:fld id="{42DDE436-8F03-4BDC-A9A5-62A5CC3B9D6B}" type="datetimeFigureOut">
               <a:rPr lang="fr-FR" smtClean="0"/>
-              <a:t>05/06/2019</a:t>
+              <a:t>16/06/2019</a:t>
             </a:fld>
             <a:endParaRPr lang="fr-FR"/>
           </a:p>
@@ -1819,7 +1824,7 @@
           <a:p>
             <a:fld id="{42DDE436-8F03-4BDC-A9A5-62A5CC3B9D6B}" type="datetimeFigureOut">
               <a:rPr lang="fr-FR" smtClean="0"/>
-              <a:t>05/06/2019</a:t>
+              <a:t>16/06/2019</a:t>
             </a:fld>
             <a:endParaRPr lang="fr-FR"/>
           </a:p>
@@ -2096,7 +2101,7 @@
           <a:p>
             <a:fld id="{42DDE436-8F03-4BDC-A9A5-62A5CC3B9D6B}" type="datetimeFigureOut">
               <a:rPr lang="fr-FR" smtClean="0"/>
-              <a:t>05/06/2019</a:t>
+              <a:t>16/06/2019</a:t>
             </a:fld>
             <a:endParaRPr lang="fr-FR"/>
           </a:p>
@@ -2349,7 +2354,7 @@
           <a:p>
             <a:fld id="{42DDE436-8F03-4BDC-A9A5-62A5CC3B9D6B}" type="datetimeFigureOut">
               <a:rPr lang="fr-FR" smtClean="0"/>
-              <a:t>05/06/2019</a:t>
+              <a:t>16/06/2019</a:t>
             </a:fld>
             <a:endParaRPr lang="fr-FR"/>
           </a:p>
@@ -2562,7 +2567,7 @@
           <a:p>
             <a:fld id="{42DDE436-8F03-4BDC-A9A5-62A5CC3B9D6B}" type="datetimeFigureOut">
               <a:rPr lang="fr-FR" smtClean="0"/>
-              <a:t>05/06/2019</a:t>
+              <a:t>16/06/2019</a:t>
             </a:fld>
             <a:endParaRPr lang="fr-FR"/>
           </a:p>
@@ -2987,8 +2992,8 @@
               <a:t>Analyse </a:t>
             </a:r>
             <a:r>
-              <a:rPr lang="fr-FR" dirty="0" err="1" smtClean="0"/>
-              <a:t>fonctionelle</a:t>
+              <a:rPr lang="fr-FR" dirty="0" smtClean="0"/>
+              <a:t>fonctionnelle</a:t>
             </a:r>
             <a:endParaRPr lang="fr-FR" dirty="0"/>
           </a:p>
@@ -3009,7 +3014,7 @@
           <a:bodyPr/>
           <a:lstStyle/>
           <a:p>
-            <a:endParaRPr lang="fr-FR"/>
+            <a:endParaRPr lang="fr-FR" dirty="0"/>
           </a:p>
         </p:txBody>
       </p:sp>
@@ -3465,13 +3470,8 @@
             </a:pPr>
             <a:r>
               <a:rPr lang="fr-FR" sz="1600" dirty="0" smtClean="0"/>
-              <a:t>FC1 : </a:t>
-            </a:r>
-            <a:r>
-              <a:rPr lang="fr-FR" sz="1600" dirty="0" smtClean="0"/>
-              <a:t>Enrouler et dérouler le câble</a:t>
-            </a:r>
-            <a:endParaRPr lang="fr-FR" sz="1600" dirty="0" smtClean="0"/>
+              <a:t>FC1 : Enrouler et dérouler le câble</a:t>
+            </a:r>
           </a:p>
           <a:p>
             <a:pPr marL="0" indent="0">
@@ -3479,11 +3479,7 @@
             </a:pPr>
             <a:r>
               <a:rPr lang="fr-FR" sz="1600" dirty="0" smtClean="0"/>
-              <a:t>FC2 : </a:t>
-            </a:r>
-            <a:r>
-              <a:rPr lang="fr-FR" sz="1600" dirty="0" smtClean="0"/>
-              <a:t>Ne pas détériorer le câble</a:t>
+              <a:t>FC2 : Ne pas détériorer le câble</a:t>
             </a:r>
           </a:p>
           <a:p>
@@ -3492,11 +3488,7 @@
             </a:pPr>
             <a:r>
               <a:rPr lang="fr-FR" sz="1600" dirty="0" smtClean="0"/>
-              <a:t>FC3 : </a:t>
-            </a:r>
-            <a:r>
-              <a:rPr lang="fr-FR" sz="1600" dirty="0" smtClean="0"/>
-              <a:t>Guider le câble</a:t>
+              <a:t>FC3 : Guider le câble</a:t>
             </a:r>
           </a:p>
           <a:p>
@@ -4255,7 +4247,7 @@
             <p:ph idx="1"/>
             <p:extLst>
               <p:ext uri="{D42A27DB-BD31-4B8C-83A1-F6EECF244321}">
-                <p14:modId xmlns:p14="http://schemas.microsoft.com/office/powerpoint/2010/main" val="1770442004"/>
+                <p14:modId xmlns:p14="http://schemas.microsoft.com/office/powerpoint/2010/main" val="138421"/>
               </p:ext>
             </p:extLst>
           </p:nvPr>
@@ -5428,7 +5420,25 @@
                     <a:p>
                       <a:r>
                         <a:rPr lang="fr-FR" sz="1200" dirty="0" smtClean="0"/>
-                        <a:t>Collecteur tournant</a:t>
+                        <a:t>Collecteur </a:t>
+                      </a:r>
+                      <a:r>
+                        <a:rPr lang="fr-FR" sz="1200" dirty="0" smtClean="0"/>
+                        <a:t>tournant</a:t>
+                      </a:r>
+                    </a:p>
+                    <a:p>
+                      <a:r>
+                        <a:rPr lang="fr-FR" sz="1200" dirty="0" smtClean="0"/>
+                        <a:t>Rayon</a:t>
+                      </a:r>
+                      <a:r>
+                        <a:rPr lang="fr-FR" sz="1200" baseline="0" dirty="0" smtClean="0"/>
+                        <a:t> de courbure du câble (à fortiori du tambour) pas </a:t>
+                      </a:r>
+                      <a:r>
+                        <a:rPr lang="fr-FR" sz="1200" baseline="0" smtClean="0"/>
+                        <a:t>trop faible</a:t>
                       </a:r>
                       <a:endParaRPr lang="fr-FR" sz="1200" dirty="0" smtClean="0"/>
                     </a:p>
